--- a/Github_Actions_2026.pptx
+++ b/Github_Actions_2026.pptx
@@ -17917,7 +17917,7 @@
         </p:nvGrpSpPr>
         <p:grpSpPr>
           <a:xfrm>
-            <a:off x="3237230" y="11446"/>
+            <a:off x="3237230" y="15845"/>
             <a:ext cx="5906770" cy="5143500"/>
             <a:chOff x="3237675" y="0"/>
             <a:chExt cx="5906770" cy="5143500"/>
@@ -18060,7 +18060,19 @@
               <a:rPr dirty="0">
                 <a:latin typeface="Candara" panose="020E0502030303020204" pitchFamily="34" charset="0"/>
               </a:rPr>
-              <a:t>GitHub Actions is a </a:t>
+              <a:t>GitHub Actions </a:t>
+            </a:r>
+            <a:r>
+              <a:rPr lang="es-ES" dirty="0">
+                <a:latin typeface="Candara" panose="020E0502030303020204" pitchFamily="34" charset="0"/>
+              </a:rPr>
+              <a:t>es una plataforma de </a:t>
+            </a:r>
+            <a:r>
+              <a:rPr dirty="0">
+                <a:latin typeface="Candara" panose="020E0502030303020204" pitchFamily="34" charset="0"/>
+              </a:rPr>
+              <a:t> </a:t>
             </a:r>
             <a:r>
               <a:rPr dirty="0" err="1">
@@ -18084,79 +18096,61 @@
               <a:rPr dirty="0">
                 <a:latin typeface="Candara" panose="020E0502030303020204" pitchFamily="34" charset="0"/>
               </a:rPr>
-              <a:t> continua (CI/CD) </a:t>
+              <a:t> continua (CI/CD)</a:t>
+            </a:r>
+            <a:r>
+              <a:rPr lang="es-ES" dirty="0">
+                <a:latin typeface="Candara" panose="020E0502030303020204" pitchFamily="34" charset="0"/>
+              </a:rPr>
+              <a:t>, la cual, permite la automatización de </a:t>
             </a:r>
             <a:r>
               <a:rPr dirty="0" err="1">
                 <a:latin typeface="Candara" panose="020E0502030303020204" pitchFamily="34" charset="0"/>
               </a:rPr>
-              <a:t>plataforma</a:t>
+              <a:t>tu</a:t>
             </a:r>
             <a:r>
               <a:rPr dirty="0">
                 <a:latin typeface="Candara" panose="020E0502030303020204" pitchFamily="34" charset="0"/>
               </a:rPr>
-              <a:t> that allows you a </a:t>
+              <a:t> </a:t>
             </a:r>
             <a:r>
               <a:rPr dirty="0" err="1">
                 <a:latin typeface="Candara" panose="020E0502030303020204" pitchFamily="34" charset="0"/>
               </a:rPr>
-              <a:t>auamate</a:t>
+              <a:t>compilación</a:t>
             </a:r>
             <a:r>
               <a:rPr dirty="0">
                 <a:latin typeface="Candara" panose="020E0502030303020204" pitchFamily="34" charset="0"/>
               </a:rPr>
-              <a:t> </a:t>
+              <a:t>, </a:t>
             </a:r>
             <a:r>
               <a:rPr dirty="0" err="1">
                 <a:latin typeface="Candara" panose="020E0502030303020204" pitchFamily="34" charset="0"/>
               </a:rPr>
-              <a:t>tu</a:t>
+              <a:t>prueba</a:t>
             </a:r>
             <a:r>
               <a:rPr dirty="0">
                 <a:latin typeface="Candara" panose="020E0502030303020204" pitchFamily="34" charset="0"/>
               </a:rPr>
-              <a:t> </a:t>
+              <a:t>, y </a:t>
             </a:r>
             <a:r>
               <a:rPr dirty="0" err="1">
                 <a:latin typeface="Candara" panose="020E0502030303020204" pitchFamily="34" charset="0"/>
               </a:rPr>
-              <a:t>compilación</a:t>
+              <a:t>despliegue</a:t>
             </a:r>
             <a:r>
               <a:rPr dirty="0">
                 <a:latin typeface="Candara" panose="020E0502030303020204" pitchFamily="34" charset="0"/>
               </a:rPr>
-              <a:t>, </a:t>
-            </a:r>
-            <a:r>
-              <a:rPr dirty="0" err="1">
-                <a:latin typeface="Candara" panose="020E0502030303020204" pitchFamily="34" charset="0"/>
-              </a:rPr>
-              <a:t>prueba</a:t>
-            </a:r>
-            <a:r>
-              <a:rPr dirty="0">
-                <a:latin typeface="Candara" panose="020E0502030303020204" pitchFamily="34" charset="0"/>
-              </a:rPr>
-              <a:t>, y </a:t>
-            </a:r>
-            <a:r>
-              <a:rPr dirty="0" err="1">
-                <a:latin typeface="Candara" panose="020E0502030303020204" pitchFamily="34" charset="0"/>
-              </a:rPr>
-              <a:t>despliegue</a:t>
-            </a:r>
-            <a:r>
-              <a:rPr dirty="0">
-                <a:latin typeface="Candara" panose="020E0502030303020204" pitchFamily="34" charset="0"/>
-              </a:rPr>
-              <a:t> pipeline.</a:t>
+              <a:t>.</a:t>
             </a:r>
           </a:p>
         </p:txBody>
